--- a/docs/images/rigado-iot-device-connectivity-architecture-diagram.pptx
+++ b/docs/images/rigado-iot-device-connectivity-architecture-diagram.pptx
@@ -14225,8 +14225,8 @@
         </p:nvSpPr>
         <p:spPr>
           <a:xfrm>
-            <a:off x="3406215" y="3618306"/>
-            <a:ext cx="9370590" cy="2939102"/>
+            <a:off x="3402526" y="3595073"/>
+            <a:ext cx="9375879" cy="3035712"/>
           </a:xfrm>
           <a:prstGeom prst="rect">
             <a:avLst/>
@@ -14372,7 +14372,7 @@
         <p:spPr>
           <a:xfrm>
             <a:off x="1923585" y="165906"/>
-            <a:ext cx="10972517" cy="6516247"/>
+            <a:ext cx="10972517" cy="6579552"/>
           </a:xfrm>
           <a:prstGeom prst="rect">
             <a:avLst/>
@@ -15400,7 +15400,7 @@
         <p:spPr>
           <a:xfrm>
             <a:off x="4801387" y="1154172"/>
-            <a:ext cx="1280160" cy="0"/>
+            <a:ext cx="1371600" cy="0"/>
           </a:xfrm>
           <a:prstGeom prst="straightConnector1">
             <a:avLst/>
@@ -15716,8 +15716,8 @@
         </p:nvCxnSpPr>
         <p:spPr>
           <a:xfrm flipV="1">
-            <a:off x="6781288" y="1154175"/>
-            <a:ext cx="4663440" cy="12196"/>
+            <a:off x="6739084" y="1154175"/>
+            <a:ext cx="4937760" cy="12196"/>
           </a:xfrm>
           <a:prstGeom prst="straightConnector1">
             <a:avLst/>
@@ -16453,7 +16453,7 @@
         </p:nvSpPr>
         <p:spPr bwMode="auto">
           <a:xfrm>
-            <a:off x="3682224" y="5623683"/>
+            <a:off x="3682224" y="5919109"/>
             <a:ext cx="1685925" cy="276999"/>
           </a:xfrm>
           <a:prstGeom prst="rect">
@@ -16627,7 +16627,7 @@
         </p:blipFill>
         <p:spPr bwMode="auto">
           <a:xfrm>
-            <a:off x="4274837" y="5163581"/>
+            <a:off x="4274837" y="5459007"/>
             <a:ext cx="457200" cy="457200"/>
           </a:xfrm>
           <a:prstGeom prst="rect">
@@ -16674,7 +16674,7 @@
         </p:nvSpPr>
         <p:spPr bwMode="auto">
           <a:xfrm>
-            <a:off x="3042182" y="5623683"/>
+            <a:off x="3042182" y="5919109"/>
             <a:ext cx="1493838" cy="276999"/>
           </a:xfrm>
           <a:prstGeom prst="rect">
@@ -16848,7 +16848,7 @@
         </p:blipFill>
         <p:spPr bwMode="auto">
           <a:xfrm>
-            <a:off x="3601410" y="5138670"/>
+            <a:off x="3601410" y="5434096"/>
             <a:ext cx="457200" cy="457200"/>
           </a:xfrm>
           <a:prstGeom prst="rect">
@@ -16895,8 +16895,8 @@
         </p:nvCxnSpPr>
         <p:spPr>
           <a:xfrm>
-            <a:off x="4623912" y="4304953"/>
-            <a:ext cx="6508781" cy="7207"/>
+            <a:off x="4623911" y="4304953"/>
+            <a:ext cx="6675120" cy="7207"/>
           </a:xfrm>
           <a:prstGeom prst="straightConnector1">
             <a:avLst/>
@@ -17189,7 +17189,7 @@
         </p:blipFill>
         <p:spPr bwMode="auto">
           <a:xfrm>
-            <a:off x="7344947" y="5274634"/>
+            <a:off x="7303995" y="5274634"/>
             <a:ext cx="762000" cy="762000"/>
           </a:xfrm>
           <a:prstGeom prst="rect">
@@ -17415,7 +17415,7 @@
         </p:blipFill>
         <p:spPr bwMode="auto">
           <a:xfrm>
-            <a:off x="8685974" y="5274634"/>
+            <a:off x="8769171" y="5266886"/>
             <a:ext cx="762000" cy="762000"/>
           </a:xfrm>
           <a:prstGeom prst="rect">
@@ -17636,7 +17636,7 @@
         </p:blipFill>
         <p:spPr bwMode="auto">
           <a:xfrm>
-            <a:off x="9965436" y="5274634"/>
+            <a:off x="10141051" y="5268376"/>
             <a:ext cx="762000" cy="762000"/>
           </a:xfrm>
           <a:prstGeom prst="rect">
@@ -17857,7 +17857,7 @@
         </p:blipFill>
         <p:spPr bwMode="auto">
           <a:xfrm>
-            <a:off x="11362579" y="5271460"/>
+            <a:off x="11546327" y="5254094"/>
             <a:ext cx="762000" cy="762000"/>
           </a:xfrm>
           <a:prstGeom prst="rect">
@@ -18065,8 +18065,8 @@
         </p:nvCxnSpPr>
         <p:spPr>
           <a:xfrm>
-            <a:off x="6690939" y="5657958"/>
-            <a:ext cx="576440" cy="0"/>
+            <a:off x="6663915" y="5652460"/>
+            <a:ext cx="640080" cy="0"/>
           </a:xfrm>
           <a:prstGeom prst="straightConnector1">
             <a:avLst/>
@@ -18110,8 +18110,8 @@
         </p:nvCxnSpPr>
         <p:spPr>
           <a:xfrm>
-            <a:off x="8172310" y="5665392"/>
-            <a:ext cx="476396" cy="0"/>
+            <a:off x="8116038" y="5665392"/>
+            <a:ext cx="640080" cy="0"/>
           </a:xfrm>
           <a:prstGeom prst="straightConnector1">
             <a:avLst/>
@@ -18155,8 +18155,8 @@
         </p:nvCxnSpPr>
         <p:spPr>
           <a:xfrm>
-            <a:off x="9489743" y="5682256"/>
-            <a:ext cx="433087" cy="0"/>
+            <a:off x="9567116" y="5682256"/>
+            <a:ext cx="548640" cy="0"/>
           </a:xfrm>
           <a:prstGeom prst="straightConnector1">
             <a:avLst/>
@@ -18200,8 +18200,8 @@
         </p:nvCxnSpPr>
         <p:spPr>
           <a:xfrm>
-            <a:off x="10778695" y="5682256"/>
-            <a:ext cx="524036" cy="0"/>
+            <a:off x="10947511" y="5682256"/>
+            <a:ext cx="548640" cy="0"/>
           </a:xfrm>
           <a:prstGeom prst="straightConnector1">
             <a:avLst/>
@@ -18702,7 +18702,7 @@
         </p:blipFill>
         <p:spPr bwMode="auto">
           <a:xfrm>
-            <a:off x="11362579" y="4020997"/>
+            <a:off x="11552239" y="4034560"/>
             <a:ext cx="762000" cy="762000"/>
           </a:xfrm>
           <a:prstGeom prst="rect">
@@ -18908,8 +18908,8 @@
         </p:nvCxnSpPr>
         <p:spPr>
           <a:xfrm>
-            <a:off x="1445637" y="1163774"/>
-            <a:ext cx="1026557" cy="2597"/>
+            <a:off x="1199876" y="1154175"/>
+            <a:ext cx="1280160" cy="2597"/>
           </a:xfrm>
           <a:prstGeom prst="straightConnector1">
             <a:avLst/>
@@ -18951,8 +18951,8 @@
         </p:nvCxnSpPr>
         <p:spPr>
           <a:xfrm>
-            <a:off x="2934442" y="1154172"/>
-            <a:ext cx="914400" cy="0"/>
+            <a:off x="2913340" y="1154172"/>
+            <a:ext cx="1005840" cy="0"/>
           </a:xfrm>
           <a:prstGeom prst="straightConnector1">
             <a:avLst/>
@@ -18995,7 +18995,7 @@
         <p:spPr>
           <a:xfrm flipH="1" flipV="1">
             <a:off x="9063138" y="1166368"/>
-            <a:ext cx="2373532" cy="1370099"/>
+            <a:ext cx="2461068" cy="1367690"/>
           </a:xfrm>
           <a:custGeom>
             <a:avLst/>
@@ -19084,8 +19084,8 @@
         </p:nvCxnSpPr>
         <p:spPr>
           <a:xfrm>
-            <a:off x="1445636" y="4308557"/>
-            <a:ext cx="914400" cy="2597"/>
+            <a:off x="1297922" y="4308557"/>
+            <a:ext cx="1097280" cy="2597"/>
           </a:xfrm>
           <a:prstGeom prst="straightConnector1">
             <a:avLst/>
@@ -19170,8 +19170,8 @@
         </p:nvSpPr>
         <p:spPr>
           <a:xfrm flipH="1" flipV="1">
-            <a:off x="5038776" y="4314709"/>
-            <a:ext cx="743694" cy="1350682"/>
+            <a:off x="5038776" y="4314708"/>
+            <a:ext cx="783470" cy="1350683"/>
           </a:xfrm>
           <a:custGeom>
             <a:avLst/>
@@ -19246,6 +19246,49 @@
           </a:p>
         </p:txBody>
       </p:sp>
+      <p:cxnSp>
+        <p:nvCxnSpPr>
+          <p:cNvPr id="71" name="Straight Arrow Connector 70">
+            <a:extLst>
+              <a:ext uri="{FF2B5EF4-FFF2-40B4-BE49-F238E27FC236}">
+                <a16:creationId xmlns:a16="http://schemas.microsoft.com/office/drawing/2014/main" id="{5A9D33BB-F7AF-C044-9BA5-6F98953C5C41}"/>
+              </a:ext>
+            </a:extLst>
+          </p:cNvPr>
+          <p:cNvCxnSpPr/>
+          <p:nvPr/>
+        </p:nvCxnSpPr>
+        <p:spPr>
+          <a:xfrm flipV="1">
+            <a:off x="4170101" y="4923085"/>
+            <a:ext cx="0" cy="511011"/>
+          </a:xfrm>
+          <a:prstGeom prst="straightConnector1">
+            <a:avLst/>
+          </a:prstGeom>
+          <a:ln w="12700">
+            <a:solidFill>
+              <a:schemeClr val="tx2"/>
+            </a:solidFill>
+            <a:headEnd type="arrow" w="med" len="sm"/>
+            <a:tailEnd type="none" w="med" len="sm"/>
+          </a:ln>
+        </p:spPr>
+        <p:style>
+          <a:lnRef idx="1">
+            <a:schemeClr val="accent1"/>
+          </a:lnRef>
+          <a:fillRef idx="0">
+            <a:schemeClr val="accent1"/>
+          </a:fillRef>
+          <a:effectRef idx="0">
+            <a:schemeClr val="accent1"/>
+          </a:effectRef>
+          <a:fontRef idx="minor">
+            <a:schemeClr val="tx1"/>
+          </a:fontRef>
+        </p:style>
+      </p:cxnSp>
     </p:spTree>
     <p:extLst>
       <p:ext uri="{BB962C8B-B14F-4D97-AF65-F5344CB8AC3E}">

--- a/docs/images/rigado-iot-device-connectivity-architecture-diagram.pptx
+++ b/docs/images/rigado-iot-device-connectivity-architecture-diagram.pptx
@@ -227,7 +227,7 @@
           <a:p>
             <a:fld id="{49A7721D-1176-A640-AC48-B82F78C92D56}" type="datetimeFigureOut">
               <a:rPr lang="en-US" smtClean="0"/>
-              <a:t>3/11/2021</a:t>
+              <a:t>3/16/2021</a:t>
             </a:fld>
             <a:endParaRPr lang="en-US" dirty="0"/>
           </a:p>
@@ -404,7 +404,7 @@
           <a:p>
             <a:fld id="{C884A089-FB25-6D46-9D21-F0F04A18BCA8}" type="datetimeFigureOut">
               <a:rPr lang="en-US" smtClean="0"/>
-              <a:t>3/11/2021</a:t>
+              <a:t>3/16/2021</a:t>
             </a:fld>
             <a:endParaRPr lang="en-US" dirty="0"/>
           </a:p>
@@ -947,7 +947,7 @@
           <a:p>
             <a:fld id="{C764DE79-268F-4C1A-8933-263129D2AF90}" type="datetimeFigureOut">
               <a:rPr lang="en-US" dirty="0"/>
-              <a:t>3/11/2021</a:t>
+              <a:t>3/16/2021</a:t>
             </a:fld>
             <a:endParaRPr lang="en-US" dirty="0"/>
           </a:p>
@@ -1118,7 +1118,7 @@
           <a:p>
             <a:fld id="{C764DE79-268F-4C1A-8933-263129D2AF90}" type="datetimeFigureOut">
               <a:rPr lang="en-US" dirty="0"/>
-              <a:t>3/11/2021</a:t>
+              <a:t>3/16/2021</a:t>
             </a:fld>
             <a:endParaRPr lang="en-US" dirty="0"/>
           </a:p>
@@ -1299,7 +1299,7 @@
           <a:p>
             <a:fld id="{C764DE79-268F-4C1A-8933-263129D2AF90}" type="datetimeFigureOut">
               <a:rPr lang="en-US" dirty="0"/>
-              <a:t>3/11/2021</a:t>
+              <a:t>3/16/2021</a:t>
             </a:fld>
             <a:endParaRPr lang="en-US" dirty="0"/>
           </a:p>
@@ -1492,7 +1492,7 @@
           <a:p>
             <a:fld id="{C764DE79-268F-4C1A-8933-263129D2AF90}" type="datetimeFigureOut">
               <a:rPr lang="en-US" dirty="0"/>
-              <a:t>3/11/2021</a:t>
+              <a:t>3/16/2021</a:t>
             </a:fld>
             <a:endParaRPr lang="en-US" dirty="0"/>
           </a:p>
@@ -1663,7 +1663,7 @@
           <a:p>
             <a:fld id="{C764DE79-268F-4C1A-8933-263129D2AF90}" type="datetimeFigureOut">
               <a:rPr lang="en-US" dirty="0"/>
-              <a:t>3/11/2021</a:t>
+              <a:t>3/16/2021</a:t>
             </a:fld>
             <a:endParaRPr lang="en-US" dirty="0"/>
           </a:p>
@@ -1910,7 +1910,7 @@
           <a:p>
             <a:fld id="{C764DE79-268F-4C1A-8933-263129D2AF90}" type="datetimeFigureOut">
               <a:rPr lang="en-US" dirty="0"/>
-              <a:t>3/11/2021</a:t>
+              <a:t>3/16/2021</a:t>
             </a:fld>
             <a:endParaRPr lang="en-US" dirty="0"/>
           </a:p>
@@ -2143,7 +2143,7 @@
           <a:p>
             <a:fld id="{C764DE79-268F-4C1A-8933-263129D2AF90}" type="datetimeFigureOut">
               <a:rPr lang="en-US" dirty="0"/>
-              <a:t>3/11/2021</a:t>
+              <a:t>3/16/2021</a:t>
             </a:fld>
             <a:endParaRPr lang="en-US" dirty="0"/>
           </a:p>
@@ -2511,7 +2511,7 @@
           <a:p>
             <a:fld id="{C764DE79-268F-4C1A-8933-263129D2AF90}" type="datetimeFigureOut">
               <a:rPr lang="en-US" dirty="0"/>
-              <a:t>3/11/2021</a:t>
+              <a:t>3/16/2021</a:t>
             </a:fld>
             <a:endParaRPr lang="en-US" dirty="0"/>
           </a:p>
@@ -2630,7 +2630,7 @@
           <a:p>
             <a:fld id="{C764DE79-268F-4C1A-8933-263129D2AF90}" type="datetimeFigureOut">
               <a:rPr lang="en-US" dirty="0"/>
-              <a:t>3/11/2021</a:t>
+              <a:t>3/16/2021</a:t>
             </a:fld>
             <a:endParaRPr lang="en-US" dirty="0"/>
           </a:p>
@@ -2999,7 +2999,7 @@
           <a:p>
             <a:fld id="{C764DE79-268F-4C1A-8933-263129D2AF90}" type="datetimeFigureOut">
               <a:rPr lang="en-US" dirty="0"/>
-              <a:t>3/11/2021</a:t>
+              <a:t>3/16/2021</a:t>
             </a:fld>
             <a:endParaRPr lang="en-US" dirty="0"/>
           </a:p>
@@ -3533,7 +3533,7 @@
           <a:p>
             <a:fld id="{C764DE79-268F-4C1A-8933-263129D2AF90}" type="datetimeFigureOut">
               <a:rPr lang="en-US" dirty="0"/>
-              <a:t>3/11/2021</a:t>
+              <a:t>3/16/2021</a:t>
             </a:fld>
             <a:endParaRPr lang="en-US" dirty="0"/>
           </a:p>
@@ -4448,7 +4448,7 @@
           <a:blip r:embed="rId4">
             <a:extLst>
               <a:ext uri="{96DAC541-7B7A-43D3-8B79-37D633B846F1}">
-                <asvg:svgBlip xmlns:asvg="http://schemas.microsoft.com/office/drawing/2016/SVG/main" xmlns="" r:embed="rId5"/>
+                <asvg:svgBlip xmlns="" xmlns:asvg="http://schemas.microsoft.com/office/drawing/2016/SVG/main" r:embed="rId5"/>
               </a:ext>
             </a:extLst>
           </a:blip>
@@ -4484,7 +4484,7 @@
           <a:blip r:embed="rId6">
             <a:extLst>
               <a:ext uri="{96DAC541-7B7A-43D3-8B79-37D633B846F1}">
-                <asvg:svgBlip xmlns:asvg="http://schemas.microsoft.com/office/drawing/2016/SVG/main" xmlns="" r:embed="rId7"/>
+                <asvg:svgBlip xmlns="" xmlns:asvg="http://schemas.microsoft.com/office/drawing/2016/SVG/main" r:embed="rId7"/>
               </a:ext>
             </a:extLst>
           </a:blip>
@@ -4520,7 +4520,7 @@
           <a:blip r:embed="rId8">
             <a:extLst>
               <a:ext uri="{96DAC541-7B7A-43D3-8B79-37D633B846F1}">
-                <asvg:svgBlip xmlns:asvg="http://schemas.microsoft.com/office/drawing/2016/SVG/main" xmlns="" r:embed="rId9"/>
+                <asvg:svgBlip xmlns="" xmlns:asvg="http://schemas.microsoft.com/office/drawing/2016/SVG/main" r:embed="rId9"/>
               </a:ext>
             </a:extLst>
           </a:blip>
@@ -4556,7 +4556,7 @@
           <a:blip r:embed="rId10">
             <a:extLst>
               <a:ext uri="{96DAC541-7B7A-43D3-8B79-37D633B846F1}">
-                <asvg:svgBlip xmlns:asvg="http://schemas.microsoft.com/office/drawing/2016/SVG/main" xmlns="" r:embed="rId11"/>
+                <asvg:svgBlip xmlns="" xmlns:asvg="http://schemas.microsoft.com/office/drawing/2016/SVG/main" r:embed="rId11"/>
               </a:ext>
             </a:extLst>
           </a:blip>
@@ -4592,7 +4592,7 @@
           <a:blip r:embed="rId12">
             <a:extLst>
               <a:ext uri="{96DAC541-7B7A-43D3-8B79-37D633B846F1}">
-                <asvg:svgBlip xmlns:asvg="http://schemas.microsoft.com/office/drawing/2016/SVG/main" xmlns="" r:embed="rId13"/>
+                <asvg:svgBlip xmlns="" xmlns:asvg="http://schemas.microsoft.com/office/drawing/2016/SVG/main" r:embed="rId13"/>
               </a:ext>
             </a:extLst>
           </a:blip>
@@ -4667,7 +4667,7 @@
           <a:blip r:embed="rId14">
             <a:extLst>
               <a:ext uri="{96DAC541-7B7A-43D3-8B79-37D633B846F1}">
-                <asvg:svgBlip xmlns:asvg="http://schemas.microsoft.com/office/drawing/2016/SVG/main" xmlns="" r:embed="rId15"/>
+                <asvg:svgBlip xmlns="" xmlns:asvg="http://schemas.microsoft.com/office/drawing/2016/SVG/main" r:embed="rId15"/>
               </a:ext>
             </a:extLst>
           </a:blip>
@@ -4703,7 +4703,7 @@
           <a:blip r:embed="rId16">
             <a:extLst>
               <a:ext uri="{96DAC541-7B7A-43D3-8B79-37D633B846F1}">
-                <asvg:svgBlip xmlns:asvg="http://schemas.microsoft.com/office/drawing/2016/SVG/main" xmlns="" r:embed="rId17"/>
+                <asvg:svgBlip xmlns="" xmlns:asvg="http://schemas.microsoft.com/office/drawing/2016/SVG/main" r:embed="rId17"/>
               </a:ext>
             </a:extLst>
           </a:blip>
@@ -4739,7 +4739,7 @@
           <a:blip r:embed="rId18">
             <a:extLst>
               <a:ext uri="{96DAC541-7B7A-43D3-8B79-37D633B846F1}">
-                <asvg:svgBlip xmlns:asvg="http://schemas.microsoft.com/office/drawing/2016/SVG/main" xmlns="" r:embed="rId19"/>
+                <asvg:svgBlip xmlns="" xmlns:asvg="http://schemas.microsoft.com/office/drawing/2016/SVG/main" r:embed="rId19"/>
               </a:ext>
             </a:extLst>
           </a:blip>
@@ -4853,7 +4853,7 @@
           <a:blip r:embed="rId20">
             <a:extLst>
               <a:ext uri="{96DAC541-7B7A-43D3-8B79-37D633B846F1}">
-                <asvg:svgBlip xmlns:asvg="http://schemas.microsoft.com/office/drawing/2016/SVG/main" xmlns="" r:embed="rId21"/>
+                <asvg:svgBlip xmlns="" xmlns:asvg="http://schemas.microsoft.com/office/drawing/2016/SVG/main" r:embed="rId21"/>
               </a:ext>
             </a:extLst>
           </a:blip>
@@ -4967,7 +4967,7 @@
           <a:blip r:embed="rId22">
             <a:extLst>
               <a:ext uri="{96DAC541-7B7A-43D3-8B79-37D633B846F1}">
-                <asvg:svgBlip xmlns:asvg="http://schemas.microsoft.com/office/drawing/2016/SVG/main" xmlns="" r:embed="rId23"/>
+                <asvg:svgBlip xmlns="" xmlns:asvg="http://schemas.microsoft.com/office/drawing/2016/SVG/main" r:embed="rId23"/>
               </a:ext>
             </a:extLst>
           </a:blip>
@@ -5042,7 +5042,7 @@
           <a:blip r:embed="rId24">
             <a:extLst>
               <a:ext uri="{96DAC541-7B7A-43D3-8B79-37D633B846F1}">
-                <asvg:svgBlip xmlns:asvg="http://schemas.microsoft.com/office/drawing/2016/SVG/main" xmlns="" r:embed="rId25"/>
+                <asvg:svgBlip xmlns="" xmlns:asvg="http://schemas.microsoft.com/office/drawing/2016/SVG/main" r:embed="rId25"/>
               </a:ext>
             </a:extLst>
           </a:blip>
@@ -5214,7 +5214,7 @@
           <a:blip r:embed="rId10">
             <a:extLst>
               <a:ext uri="{96DAC541-7B7A-43D3-8B79-37D633B846F1}">
-                <asvg:svgBlip xmlns:asvg="http://schemas.microsoft.com/office/drawing/2016/SVG/main" xmlns="" r:embed="rId11"/>
+                <asvg:svgBlip xmlns="" xmlns:asvg="http://schemas.microsoft.com/office/drawing/2016/SVG/main" r:embed="rId11"/>
               </a:ext>
             </a:extLst>
           </a:blip>
@@ -5250,7 +5250,7 @@
           <a:blip r:embed="rId12">
             <a:extLst>
               <a:ext uri="{96DAC541-7B7A-43D3-8B79-37D633B846F1}">
-                <asvg:svgBlip xmlns:asvg="http://schemas.microsoft.com/office/drawing/2016/SVG/main" xmlns="" r:embed="rId13"/>
+                <asvg:svgBlip xmlns="" xmlns:asvg="http://schemas.microsoft.com/office/drawing/2016/SVG/main" r:embed="rId13"/>
               </a:ext>
             </a:extLst>
           </a:blip>
@@ -5325,7 +5325,7 @@
           <a:blip r:embed="rId14">
             <a:extLst>
               <a:ext uri="{96DAC541-7B7A-43D3-8B79-37D633B846F1}">
-                <asvg:svgBlip xmlns:asvg="http://schemas.microsoft.com/office/drawing/2016/SVG/main" xmlns="" r:embed="rId15"/>
+                <asvg:svgBlip xmlns="" xmlns:asvg="http://schemas.microsoft.com/office/drawing/2016/SVG/main" r:embed="rId15"/>
               </a:ext>
             </a:extLst>
           </a:blip>
@@ -5361,7 +5361,7 @@
           <a:blip r:embed="rId18">
             <a:extLst>
               <a:ext uri="{96DAC541-7B7A-43D3-8B79-37D633B846F1}">
-                <asvg:svgBlip xmlns:asvg="http://schemas.microsoft.com/office/drawing/2016/SVG/main" xmlns="" r:embed="rId19"/>
+                <asvg:svgBlip xmlns="" xmlns:asvg="http://schemas.microsoft.com/office/drawing/2016/SVG/main" r:embed="rId19"/>
               </a:ext>
             </a:extLst>
           </a:blip>
@@ -5760,7 +5760,7 @@
           <a:blip r:embed="rId2">
             <a:extLst>
               <a:ext uri="{96DAC541-7B7A-43D3-8B79-37D633B846F1}">
-                <asvg:svgBlip xmlns:asvg="http://schemas.microsoft.com/office/drawing/2016/SVG/main" xmlns="" r:embed="rId3"/>
+                <asvg:svgBlip xmlns="" xmlns:asvg="http://schemas.microsoft.com/office/drawing/2016/SVG/main" r:embed="rId3"/>
               </a:ext>
             </a:extLst>
           </a:blip>
@@ -5839,7 +5839,7 @@
           <a:blip r:embed="rId4">
             <a:extLst>
               <a:ext uri="{96DAC541-7B7A-43D3-8B79-37D633B846F1}">
-                <asvg:svgBlip xmlns:asvg="http://schemas.microsoft.com/office/drawing/2016/SVG/main" xmlns="" r:embed="rId5"/>
+                <asvg:svgBlip xmlns="" xmlns:asvg="http://schemas.microsoft.com/office/drawing/2016/SVG/main" r:embed="rId5"/>
               </a:ext>
             </a:extLst>
           </a:blip>
@@ -5961,7 +5961,7 @@
           <a:blip r:embed="rId6">
             <a:extLst>
               <a:ext uri="{96DAC541-7B7A-43D3-8B79-37D633B846F1}">
-                <asvg:svgBlip xmlns:asvg="http://schemas.microsoft.com/office/drawing/2016/SVG/main" xmlns="" r:embed="rId7"/>
+                <asvg:svgBlip xmlns="" xmlns:asvg="http://schemas.microsoft.com/office/drawing/2016/SVG/main" r:embed="rId7"/>
               </a:ext>
             </a:extLst>
           </a:blip>
@@ -5997,7 +5997,7 @@
           <a:blip r:embed="rId8">
             <a:extLst>
               <a:ext uri="{96DAC541-7B7A-43D3-8B79-37D633B846F1}">
-                <asvg:svgBlip xmlns:asvg="http://schemas.microsoft.com/office/drawing/2016/SVG/main" xmlns="" r:embed="rId9"/>
+                <asvg:svgBlip xmlns="" xmlns:asvg="http://schemas.microsoft.com/office/drawing/2016/SVG/main" r:embed="rId9"/>
               </a:ext>
             </a:extLst>
           </a:blip>
@@ -6098,7 +6098,7 @@
           <a:blip r:embed="rId10">
             <a:extLst>
               <a:ext uri="{96DAC541-7B7A-43D3-8B79-37D633B846F1}">
-                <asvg:svgBlip xmlns:asvg="http://schemas.microsoft.com/office/drawing/2016/SVG/main" xmlns="" r:embed="rId11"/>
+                <asvg:svgBlip xmlns="" xmlns:asvg="http://schemas.microsoft.com/office/drawing/2016/SVG/main" r:embed="rId11"/>
               </a:ext>
             </a:extLst>
           </a:blip>
@@ -6175,7 +6175,7 @@
           <a:blip r:embed="rId10">
             <a:extLst>
               <a:ext uri="{96DAC541-7B7A-43D3-8B79-37D633B846F1}">
-                <asvg:svgBlip xmlns:asvg="http://schemas.microsoft.com/office/drawing/2016/SVG/main" xmlns="" r:embed="rId11"/>
+                <asvg:svgBlip xmlns="" xmlns:asvg="http://schemas.microsoft.com/office/drawing/2016/SVG/main" r:embed="rId11"/>
               </a:ext>
             </a:extLst>
           </a:blip>
@@ -6252,7 +6252,7 @@
           <a:blip r:embed="rId10">
             <a:extLst>
               <a:ext uri="{96DAC541-7B7A-43D3-8B79-37D633B846F1}">
-                <asvg:svgBlip xmlns:asvg="http://schemas.microsoft.com/office/drawing/2016/SVG/main" xmlns="" r:embed="rId11"/>
+                <asvg:svgBlip xmlns="" xmlns:asvg="http://schemas.microsoft.com/office/drawing/2016/SVG/main" r:embed="rId11"/>
               </a:ext>
             </a:extLst>
           </a:blip>
@@ -6763,7 +6763,7 @@
           <a:blip r:embed="rId12">
             <a:extLst>
               <a:ext uri="{96DAC541-7B7A-43D3-8B79-37D633B846F1}">
-                <asvg:svgBlip xmlns:asvg="http://schemas.microsoft.com/office/drawing/2016/SVG/main" xmlns="" r:embed="rId13"/>
+                <asvg:svgBlip xmlns="" xmlns:asvg="http://schemas.microsoft.com/office/drawing/2016/SVG/main" r:embed="rId13"/>
               </a:ext>
             </a:extLst>
           </a:blip>
@@ -6840,7 +6840,7 @@
           <a:blip r:embed="rId14">
             <a:extLst>
               <a:ext uri="{96DAC541-7B7A-43D3-8B79-37D633B846F1}">
-                <asvg:svgBlip xmlns:asvg="http://schemas.microsoft.com/office/drawing/2016/SVG/main" xmlns="" r:embed="rId15"/>
+                <asvg:svgBlip xmlns="" xmlns:asvg="http://schemas.microsoft.com/office/drawing/2016/SVG/main" r:embed="rId15"/>
               </a:ext>
             </a:extLst>
           </a:blip>
@@ -6913,7 +6913,7 @@
           <a:blip r:embed="rId16">
             <a:extLst>
               <a:ext uri="{96DAC541-7B7A-43D3-8B79-37D633B846F1}">
-                <asvg:svgBlip xmlns:asvg="http://schemas.microsoft.com/office/drawing/2016/SVG/main" xmlns="" r:embed="rId17"/>
+                <asvg:svgBlip xmlns="" xmlns:asvg="http://schemas.microsoft.com/office/drawing/2016/SVG/main" r:embed="rId17"/>
               </a:ext>
             </a:extLst>
           </a:blip>
@@ -6986,7 +6986,7 @@
           <a:blip r:embed="rId18">
             <a:extLst>
               <a:ext uri="{96DAC541-7B7A-43D3-8B79-37D633B846F1}">
-                <asvg:svgBlip xmlns:asvg="http://schemas.microsoft.com/office/drawing/2016/SVG/main" xmlns="" r:embed="rId19"/>
+                <asvg:svgBlip xmlns="" xmlns:asvg="http://schemas.microsoft.com/office/drawing/2016/SVG/main" r:embed="rId19"/>
               </a:ext>
             </a:extLst>
           </a:blip>
@@ -7095,7 +7095,7 @@
           <a:blip r:embed="rId20">
             <a:extLst>
               <a:ext uri="{96DAC541-7B7A-43D3-8B79-37D633B846F1}">
-                <asvg:svgBlip xmlns:asvg="http://schemas.microsoft.com/office/drawing/2016/SVG/main" xmlns="" r:embed="rId21"/>
+                <asvg:svgBlip xmlns="" xmlns:asvg="http://schemas.microsoft.com/office/drawing/2016/SVG/main" r:embed="rId21"/>
               </a:ext>
             </a:extLst>
           </a:blip>
@@ -7216,7 +7216,7 @@
           <a:blip r:embed="rId22">
             <a:extLst>
               <a:ext uri="{96DAC541-7B7A-43D3-8B79-37D633B846F1}">
-                <asvg:svgBlip xmlns:asvg="http://schemas.microsoft.com/office/drawing/2016/SVG/main" xmlns="" r:embed="rId23"/>
+                <asvg:svgBlip xmlns="" xmlns:asvg="http://schemas.microsoft.com/office/drawing/2016/SVG/main" r:embed="rId23"/>
               </a:ext>
             </a:extLst>
           </a:blip>
@@ -7252,7 +7252,7 @@
           <a:blip r:embed="rId24">
             <a:extLst>
               <a:ext uri="{96DAC541-7B7A-43D3-8B79-37D633B846F1}">
-                <asvg:svgBlip xmlns:asvg="http://schemas.microsoft.com/office/drawing/2016/SVG/main" xmlns="" r:embed="rId25"/>
+                <asvg:svgBlip xmlns="" xmlns:asvg="http://schemas.microsoft.com/office/drawing/2016/SVG/main" r:embed="rId25"/>
               </a:ext>
             </a:extLst>
           </a:blip>
@@ -7539,7 +7539,7 @@
           <a:blip r:embed="rId26">
             <a:extLst>
               <a:ext uri="{96DAC541-7B7A-43D3-8B79-37D633B846F1}">
-                <asvg:svgBlip xmlns:asvg="http://schemas.microsoft.com/office/drawing/2016/SVG/main" xmlns="" r:embed="rId27"/>
+                <asvg:svgBlip xmlns="" xmlns:asvg="http://schemas.microsoft.com/office/drawing/2016/SVG/main" r:embed="rId27"/>
               </a:ext>
             </a:extLst>
           </a:blip>
@@ -7696,7 +7696,7 @@
           <a:blip r:embed="rId28">
             <a:extLst>
               <a:ext uri="{96DAC541-7B7A-43D3-8B79-37D633B846F1}">
-                <asvg:svgBlip xmlns:asvg="http://schemas.microsoft.com/office/drawing/2016/SVG/main" xmlns="" r:embed="rId29"/>
+                <asvg:svgBlip xmlns="" xmlns:asvg="http://schemas.microsoft.com/office/drawing/2016/SVG/main" r:embed="rId29"/>
               </a:ext>
             </a:extLst>
           </a:blip>
@@ -7918,7 +7918,7 @@
           <a:blip r:embed="rId30">
             <a:extLst>
               <a:ext uri="{96DAC541-7B7A-43D3-8B79-37D633B846F1}">
-                <asvg:svgBlip xmlns:asvg="http://schemas.microsoft.com/office/drawing/2016/SVG/main" xmlns="" r:embed="rId31"/>
+                <asvg:svgBlip xmlns="" xmlns:asvg="http://schemas.microsoft.com/office/drawing/2016/SVG/main" r:embed="rId31"/>
               </a:ext>
             </a:extLst>
           </a:blip>
@@ -8141,7 +8141,7 @@
           <a:blip r:embed="rId32">
             <a:extLst>
               <a:ext uri="{96DAC541-7B7A-43D3-8B79-37D633B846F1}">
-                <asvg:svgBlip xmlns:asvg="http://schemas.microsoft.com/office/drawing/2016/SVG/main" xmlns="" r:embed="rId33"/>
+                <asvg:svgBlip xmlns="" xmlns:asvg="http://schemas.microsoft.com/office/drawing/2016/SVG/main" r:embed="rId33"/>
               </a:ext>
             </a:extLst>
           </a:blip>
@@ -8269,7 +8269,7 @@
           <a:blip r:embed="rId4">
             <a:extLst>
               <a:ext uri="{96DAC541-7B7A-43D3-8B79-37D633B846F1}">
-                <asvg:svgBlip xmlns:asvg="http://schemas.microsoft.com/office/drawing/2016/SVG/main" xmlns="" r:embed="rId5"/>
+                <asvg:svgBlip xmlns="" xmlns:asvg="http://schemas.microsoft.com/office/drawing/2016/SVG/main" r:embed="rId5"/>
               </a:ext>
             </a:extLst>
           </a:blip>
@@ -8352,7 +8352,7 @@
           <a:blip r:embed="rId34">
             <a:extLst>
               <a:ext uri="{96DAC541-7B7A-43D3-8B79-37D633B846F1}">
-                <asvg:svgBlip xmlns:asvg="http://schemas.microsoft.com/office/drawing/2016/SVG/main" xmlns="" r:embed="rId35"/>
+                <asvg:svgBlip xmlns="" xmlns:asvg="http://schemas.microsoft.com/office/drawing/2016/SVG/main" r:embed="rId35"/>
               </a:ext>
             </a:extLst>
           </a:blip>
@@ -8450,7 +8450,7 @@
           <a:blip r:embed="rId36">
             <a:extLst>
               <a:ext uri="{96DAC541-7B7A-43D3-8B79-37D633B846F1}">
-                <asvg:svgBlip xmlns:asvg="http://schemas.microsoft.com/office/drawing/2016/SVG/main" xmlns="" r:embed="rId37"/>
+                <asvg:svgBlip xmlns="" xmlns:asvg="http://schemas.microsoft.com/office/drawing/2016/SVG/main" r:embed="rId37"/>
               </a:ext>
             </a:extLst>
           </a:blip>
@@ -8570,7 +8570,7 @@
           <a:blip r:embed="rId38">
             <a:extLst>
               <a:ext uri="{96DAC541-7B7A-43D3-8B79-37D633B846F1}">
-                <asvg:svgBlip xmlns:asvg="http://schemas.microsoft.com/office/drawing/2016/SVG/main" xmlns="" r:embed="rId39"/>
+                <asvg:svgBlip xmlns="" xmlns:asvg="http://schemas.microsoft.com/office/drawing/2016/SVG/main" r:embed="rId39"/>
               </a:ext>
             </a:extLst>
           </a:blip>
@@ -8646,7 +8646,7 @@
           <a:blip r:embed="rId40">
             <a:extLst>
               <a:ext uri="{96DAC541-7B7A-43D3-8B79-37D633B846F1}">
-                <asvg:svgBlip xmlns:asvg="http://schemas.microsoft.com/office/drawing/2016/SVG/main" xmlns="" r:embed="rId41"/>
+                <asvg:svgBlip xmlns="" xmlns:asvg="http://schemas.microsoft.com/office/drawing/2016/SVG/main" r:embed="rId41"/>
               </a:ext>
             </a:extLst>
           </a:blip>
@@ -8741,7 +8741,7 @@
           <a:blip r:embed="rId42">
             <a:extLst>
               <a:ext uri="{96DAC541-7B7A-43D3-8B79-37D633B846F1}">
-                <asvg:svgBlip xmlns:asvg="http://schemas.microsoft.com/office/drawing/2016/SVG/main" xmlns="" r:embed="rId43"/>
+                <asvg:svgBlip xmlns="" xmlns:asvg="http://schemas.microsoft.com/office/drawing/2016/SVG/main" r:embed="rId43"/>
               </a:ext>
             </a:extLst>
           </a:blip>
@@ -9068,7 +9068,7 @@
           <a:blip r:embed="rId2">
             <a:extLst>
               <a:ext uri="{96DAC541-7B7A-43D3-8B79-37D633B846F1}">
-                <asvg:svgBlip xmlns:asvg="http://schemas.microsoft.com/office/drawing/2016/SVG/main" xmlns="" r:embed="rId3"/>
+                <asvg:svgBlip xmlns="" xmlns:asvg="http://schemas.microsoft.com/office/drawing/2016/SVG/main" r:embed="rId3"/>
               </a:ext>
             </a:extLst>
           </a:blip>
@@ -14274,13 +14274,6 @@
               </a:rPr>
               <a:t>Data plane</a:t>
             </a:r>
-            <a:endParaRPr lang="en-US" sz="1200" dirty="0">
-              <a:solidFill>
-                <a:schemeClr val="tx1"/>
-              </a:solidFill>
-              <a:latin typeface="Arial" panose="020B0604020202020204" pitchFamily="34" charset="0"/>
-              <a:cs typeface="Arial" panose="020B0604020202020204" pitchFamily="34" charset="0"/>
-            </a:endParaRPr>
           </a:p>
         </p:txBody>
       </p:sp>
@@ -14347,13 +14340,6 @@
               </a:rPr>
               <a:t>Control plane</a:t>
             </a:r>
-            <a:endParaRPr lang="en-US" sz="1200" dirty="0">
-              <a:solidFill>
-                <a:schemeClr val="tx1"/>
-              </a:solidFill>
-              <a:latin typeface="Arial" panose="020B0604020202020204" pitchFamily="34" charset="0"/>
-              <a:cs typeface="Arial" panose="020B0604020202020204" pitchFamily="34" charset="0"/>
-            </a:endParaRPr>
           </a:p>
         </p:txBody>
       </p:sp>
@@ -14441,7 +14427,7 @@
           <a:blip r:embed="rId2">
             <a:extLst>
               <a:ext uri="{96DAC541-7B7A-43D3-8B79-37D633B846F1}">
-                <asvg:svgBlip xmlns:asvg="http://schemas.microsoft.com/office/drawing/2016/SVG/main" xmlns="" r:embed="rId3"/>
+                <asvg:svgBlip xmlns="" xmlns:asvg="http://schemas.microsoft.com/office/drawing/2016/SVG/main" r:embed="rId3"/>
               </a:ext>
             </a:extLst>
           </a:blip>
@@ -14828,15 +14814,7 @@
                 <a:ea typeface="Amazon Ember" panose="020B0603020204020204" pitchFamily="34" charset="0"/>
                 <a:cs typeface="Arial" panose="020B0604020202020204" pitchFamily="34" charset="0"/>
               </a:rPr>
-              <a:t>IoT</a:t>
-            </a:r>
-            <a:r>
-              <a:rPr lang="en-US" altLang="en-US" sz="1200" dirty="0">
-                <a:latin typeface="Arial" panose="020B0604020202020204" pitchFamily="34" charset="0"/>
-                <a:ea typeface="Amazon Ember" panose="020B0603020204020204" pitchFamily="34" charset="0"/>
-                <a:cs typeface="Arial" panose="020B0604020202020204" pitchFamily="34" charset="0"/>
-              </a:rPr>
-              <a:t> certificate </a:t>
+              <a:t>IoT certificate </a:t>
             </a:r>
             <a:endParaRPr lang="en-US" altLang="en-US" sz="1200" dirty="0" smtClean="0">
               <a:latin typeface="Arial" panose="020B0604020202020204" pitchFamily="34" charset="0"/>
@@ -14873,11 +14851,6 @@
               </a:rPr>
               <a:t>endpoint</a:t>
             </a:r>
-            <a:endParaRPr lang="en-US" altLang="en-US" sz="1200" dirty="0">
-              <a:latin typeface="Arial" panose="020B0604020202020204" pitchFamily="34" charset="0"/>
-              <a:ea typeface="Amazon Ember" panose="020B0603020204020204" pitchFamily="34" charset="0"/>
-              <a:cs typeface="Arial" panose="020B0604020202020204" pitchFamily="34" charset="0"/>
-            </a:endParaRPr>
           </a:p>
         </p:txBody>
       </p:sp>
@@ -15595,15 +15568,7 @@
                 <a:ea typeface="Amazon Ember" panose="020B0603020204020204" pitchFamily="34" charset="0"/>
                 <a:cs typeface="Arial" panose="020B0604020202020204" pitchFamily="34" charset="0"/>
               </a:rPr>
-              <a:t>bucket </a:t>
-            </a:r>
-            <a:r>
-              <a:rPr lang="en-US" altLang="en-US" sz="1200" dirty="0">
-                <a:latin typeface="Arial" panose="020B0604020202020204" pitchFamily="34" charset="0"/>
-                <a:ea typeface="Amazon Ember" panose="020B0603020204020204" pitchFamily="34" charset="0"/>
-                <a:cs typeface="Arial" panose="020B0604020202020204" pitchFamily="34" charset="0"/>
-              </a:rPr>
-              <a:t>with</a:t>
+              <a:t>bucket with</a:t>
             </a:r>
           </a:p>
           <a:p>
@@ -15622,21 +15587,8 @@
                 <a:ea typeface="Amazon Ember" panose="020B0603020204020204" pitchFamily="34" charset="0"/>
                 <a:cs typeface="Arial" panose="020B0604020202020204" pitchFamily="34" charset="0"/>
               </a:rPr>
-              <a:t> </a:t>
+              <a:t> certificate</a:t>
             </a:r>
-            <a:r>
-              <a:rPr lang="en-US" altLang="en-US" sz="1200" dirty="0">
-                <a:latin typeface="Arial" panose="020B0604020202020204" pitchFamily="34" charset="0"/>
-                <a:ea typeface="Amazon Ember" panose="020B0603020204020204" pitchFamily="34" charset="0"/>
-                <a:cs typeface="Arial" panose="020B0604020202020204" pitchFamily="34" charset="0"/>
-              </a:rPr>
-              <a:t>certificate</a:t>
-            </a:r>
-            <a:endParaRPr lang="en-US" altLang="en-US" sz="1200" dirty="0">
-              <a:latin typeface="Arial" panose="020B0604020202020204" pitchFamily="34" charset="0"/>
-              <a:ea typeface="Amazon Ember" panose="020B0603020204020204" pitchFamily="34" charset="0"/>
-              <a:cs typeface="Arial" panose="020B0604020202020204" pitchFamily="34" charset="0"/>
-            </a:endParaRPr>
           </a:p>
         </p:txBody>
       </p:sp>
@@ -16122,15 +16074,7 @@
                 <a:ea typeface="Amazon Ember" panose="020B0603020204020204" pitchFamily="34" charset="0"/>
                 <a:cs typeface="Arial" panose="020B0604020202020204" pitchFamily="34" charset="0"/>
               </a:rPr>
-              <a:t>IoT</a:t>
-            </a:r>
-            <a:r>
-              <a:rPr lang="en-US" altLang="en-US" sz="1200" dirty="0">
-                <a:latin typeface="Arial" panose="020B0604020202020204" pitchFamily="34" charset="0"/>
-                <a:ea typeface="Amazon Ember" panose="020B0603020204020204" pitchFamily="34" charset="0"/>
-                <a:cs typeface="Arial" panose="020B0604020202020204" pitchFamily="34" charset="0"/>
-              </a:rPr>
-              <a:t> MQTT </a:t>
+              <a:t>IoT MQTT </a:t>
             </a:r>
             <a:endParaRPr lang="en-US" altLang="en-US" sz="1200" dirty="0" smtClean="0">
               <a:latin typeface="Arial" panose="020B0604020202020204" pitchFamily="34" charset="0"/>
@@ -17378,11 +17322,6 @@
               </a:rPr>
               <a:t>Amazon S3</a:t>
             </a:r>
-            <a:endParaRPr lang="en-US" altLang="en-US" sz="1200" dirty="0">
-              <a:latin typeface="Arial" panose="020B0604020202020204" pitchFamily="34" charset="0"/>
-              <a:ea typeface="Amazon Ember" panose="020B0603020204020204" pitchFamily="34" charset="0"/>
-              <a:cs typeface="Arial" panose="020B0604020202020204" pitchFamily="34" charset="0"/>
-            </a:endParaRPr>
           </a:p>
         </p:txBody>
       </p:sp>
@@ -18066,7 +18005,7 @@
         <p:spPr>
           <a:xfrm>
             <a:off x="6663915" y="5652460"/>
-            <a:ext cx="640080" cy="0"/>
+            <a:ext cx="548640" cy="0"/>
           </a:xfrm>
           <a:prstGeom prst="straightConnector1">
             <a:avLst/>
@@ -18110,8 +18049,8 @@
         </p:nvCxnSpPr>
         <p:spPr>
           <a:xfrm>
-            <a:off x="8116038" y="5665392"/>
-            <a:ext cx="640080" cy="0"/>
+            <a:off x="8140101" y="5665392"/>
+            <a:ext cx="548640" cy="0"/>
           </a:xfrm>
           <a:prstGeom prst="straightConnector1">
             <a:avLst/>
